--- a/ppt 16-9/0485.小羊呼声一片.pptx
+++ b/ppt 16-9/0485.小羊呼声一片.pptx
@@ -129,7 +129,7 @@
           <p:cNvPr id="2" name="标题 1">
             <a:extLst>
               <a:ext uri="{FF2B5EF4-FFF2-40B4-BE49-F238E27FC236}">
-                <a16:creationId xmlns:a16="http://schemas.microsoft.com/office/drawing/2014/main" id="{649D584E-9295-EA47-51CF-479E2C000A7E}"/>
+                <a16:creationId xmlns:a16="http://schemas.microsoft.com/office/drawing/2014/main" id="{10B5EC96-1DAB-A47E-8FA0-B234E0F3A955}"/>
               </a:ext>
             </a:extLst>
           </p:cNvPr>
@@ -166,7 +166,7 @@
           <p:cNvPr id="3" name="副标题 2">
             <a:extLst>
               <a:ext uri="{FF2B5EF4-FFF2-40B4-BE49-F238E27FC236}">
-                <a16:creationId xmlns:a16="http://schemas.microsoft.com/office/drawing/2014/main" id="{00930E4E-2B18-ED66-C8FD-9499785994AC}"/>
+                <a16:creationId xmlns:a16="http://schemas.microsoft.com/office/drawing/2014/main" id="{4A54CD65-7980-9DD5-8635-1D48BFDABBD2}"/>
               </a:ext>
             </a:extLst>
           </p:cNvPr>
@@ -236,7 +236,7 @@
           <p:cNvPr id="4" name="日期占位符 3">
             <a:extLst>
               <a:ext uri="{FF2B5EF4-FFF2-40B4-BE49-F238E27FC236}">
-                <a16:creationId xmlns:a16="http://schemas.microsoft.com/office/drawing/2014/main" id="{5D44D8E0-3EC3-BA9A-19E0-9C989EACFF50}"/>
+                <a16:creationId xmlns:a16="http://schemas.microsoft.com/office/drawing/2014/main" id="{20DC4A2A-5C7E-CEC3-6675-9FA08F13C2C6}"/>
               </a:ext>
             </a:extLst>
           </p:cNvPr>
@@ -252,7 +252,7 @@
           <a:bodyPr/>
           <a:lstStyle/>
           <a:p>
-            <a:fld id="{28A9F78C-6E83-4149-B18E-E51E64996105}" type="datetimeFigureOut">
+            <a:fld id="{0FC9CC59-9646-465D-B0A6-7E8BA2D85A55}" type="datetimeFigureOut">
               <a:rPr lang="zh-CN" altLang="en-US" smtClean="0"/>
               <a:t>2024/3/10</a:t>
             </a:fld>
@@ -265,7 +265,7 @@
           <p:cNvPr id="5" name="页脚占位符 4">
             <a:extLst>
               <a:ext uri="{FF2B5EF4-FFF2-40B4-BE49-F238E27FC236}">
-                <a16:creationId xmlns:a16="http://schemas.microsoft.com/office/drawing/2014/main" id="{E20CC4B9-3EEE-8B2A-F88A-850D346FA341}"/>
+                <a16:creationId xmlns:a16="http://schemas.microsoft.com/office/drawing/2014/main" id="{3F916437-C7A1-54F1-4630-DFD9DF0FC670}"/>
               </a:ext>
             </a:extLst>
           </p:cNvPr>
@@ -290,7 +290,7 @@
           <p:cNvPr id="6" name="灯片编号占位符 5">
             <a:extLst>
               <a:ext uri="{FF2B5EF4-FFF2-40B4-BE49-F238E27FC236}">
-                <a16:creationId xmlns:a16="http://schemas.microsoft.com/office/drawing/2014/main" id="{B562BC18-3079-5011-47EE-BEB0245D4CC1}"/>
+                <a16:creationId xmlns:a16="http://schemas.microsoft.com/office/drawing/2014/main" id="{30E74906-854A-74E0-259A-BCD3C727268B}"/>
               </a:ext>
             </a:extLst>
           </p:cNvPr>
@@ -306,7 +306,7 @@
           <a:bodyPr/>
           <a:lstStyle/>
           <a:p>
-            <a:fld id="{E9B70BEA-56D5-4963-8B7A-8495AB830BE6}" type="slidenum">
+            <a:fld id="{F2DF2A3D-A601-41C9-B99E-AFADDC534C36}" type="slidenum">
               <a:rPr lang="zh-CN" altLang="en-US" smtClean="0"/>
               <a:t>‹#›</a:t>
             </a:fld>
@@ -317,7 +317,7 @@
     </p:spTree>
     <p:extLst>
       <p:ext uri="{BB962C8B-B14F-4D97-AF65-F5344CB8AC3E}">
-        <p14:creationId xmlns:p14="http://schemas.microsoft.com/office/powerpoint/2010/main" val="776057168"/>
+        <p14:creationId xmlns:p14="http://schemas.microsoft.com/office/powerpoint/2010/main" val="1302134020"/>
       </p:ext>
     </p:extLst>
   </p:cSld>
@@ -349,7 +349,7 @@
           <p:cNvPr id="2" name="标题 1">
             <a:extLst>
               <a:ext uri="{FF2B5EF4-FFF2-40B4-BE49-F238E27FC236}">
-                <a16:creationId xmlns:a16="http://schemas.microsoft.com/office/drawing/2014/main" id="{1D7850FA-9F25-F6A7-BE08-09F87395E7BC}"/>
+                <a16:creationId xmlns:a16="http://schemas.microsoft.com/office/drawing/2014/main" id="{52626DF9-3A41-8E47-781B-ECA41EC0C224}"/>
               </a:ext>
             </a:extLst>
           </p:cNvPr>
@@ -377,7 +377,7 @@
           <p:cNvPr id="3" name="竖排文字占位符 2">
             <a:extLst>
               <a:ext uri="{FF2B5EF4-FFF2-40B4-BE49-F238E27FC236}">
-                <a16:creationId xmlns:a16="http://schemas.microsoft.com/office/drawing/2014/main" id="{3D7FC521-BA23-BF80-4B03-66A6AAF814CD}"/>
+                <a16:creationId xmlns:a16="http://schemas.microsoft.com/office/drawing/2014/main" id="{6500D594-F7BB-5D32-49D1-2687FAEDA5F8}"/>
               </a:ext>
             </a:extLst>
           </p:cNvPr>
@@ -434,7 +434,7 @@
           <p:cNvPr id="4" name="日期占位符 3">
             <a:extLst>
               <a:ext uri="{FF2B5EF4-FFF2-40B4-BE49-F238E27FC236}">
-                <a16:creationId xmlns:a16="http://schemas.microsoft.com/office/drawing/2014/main" id="{453FCE76-68CB-E659-6C9F-060669936E05}"/>
+                <a16:creationId xmlns:a16="http://schemas.microsoft.com/office/drawing/2014/main" id="{B09C801F-4558-CD77-DCE7-7BBE82A4F9AE}"/>
               </a:ext>
             </a:extLst>
           </p:cNvPr>
@@ -450,7 +450,7 @@
           <a:bodyPr/>
           <a:lstStyle/>
           <a:p>
-            <a:fld id="{28A9F78C-6E83-4149-B18E-E51E64996105}" type="datetimeFigureOut">
+            <a:fld id="{0FC9CC59-9646-465D-B0A6-7E8BA2D85A55}" type="datetimeFigureOut">
               <a:rPr lang="zh-CN" altLang="en-US" smtClean="0"/>
               <a:t>2024/3/10</a:t>
             </a:fld>
@@ -463,7 +463,7 @@
           <p:cNvPr id="5" name="页脚占位符 4">
             <a:extLst>
               <a:ext uri="{FF2B5EF4-FFF2-40B4-BE49-F238E27FC236}">
-                <a16:creationId xmlns:a16="http://schemas.microsoft.com/office/drawing/2014/main" id="{757FC9A4-4439-F2A4-4078-EF8F8257F96F}"/>
+                <a16:creationId xmlns:a16="http://schemas.microsoft.com/office/drawing/2014/main" id="{8469C9BB-4AB6-257D-6035-CE6FFF2421CB}"/>
               </a:ext>
             </a:extLst>
           </p:cNvPr>
@@ -488,7 +488,7 @@
           <p:cNvPr id="6" name="灯片编号占位符 5">
             <a:extLst>
               <a:ext uri="{FF2B5EF4-FFF2-40B4-BE49-F238E27FC236}">
-                <a16:creationId xmlns:a16="http://schemas.microsoft.com/office/drawing/2014/main" id="{F266A9F4-A659-26A4-F400-302F49D8EBCE}"/>
+                <a16:creationId xmlns:a16="http://schemas.microsoft.com/office/drawing/2014/main" id="{23BDF242-555D-2E64-7E7D-CF8A4A07109B}"/>
               </a:ext>
             </a:extLst>
           </p:cNvPr>
@@ -504,7 +504,7 @@
           <a:bodyPr/>
           <a:lstStyle/>
           <a:p>
-            <a:fld id="{E9B70BEA-56D5-4963-8B7A-8495AB830BE6}" type="slidenum">
+            <a:fld id="{F2DF2A3D-A601-41C9-B99E-AFADDC534C36}" type="slidenum">
               <a:rPr lang="zh-CN" altLang="en-US" smtClean="0"/>
               <a:t>‹#›</a:t>
             </a:fld>
@@ -515,7 +515,7 @@
     </p:spTree>
     <p:extLst>
       <p:ext uri="{BB962C8B-B14F-4D97-AF65-F5344CB8AC3E}">
-        <p14:creationId xmlns:p14="http://schemas.microsoft.com/office/powerpoint/2010/main" val="1211385201"/>
+        <p14:creationId xmlns:p14="http://schemas.microsoft.com/office/powerpoint/2010/main" val="850211686"/>
       </p:ext>
     </p:extLst>
   </p:cSld>
@@ -547,7 +547,7 @@
           <p:cNvPr id="2" name="竖排标题 1">
             <a:extLst>
               <a:ext uri="{FF2B5EF4-FFF2-40B4-BE49-F238E27FC236}">
-                <a16:creationId xmlns:a16="http://schemas.microsoft.com/office/drawing/2014/main" id="{5C2E1ECC-6D24-1F6A-5A43-E206D41DD607}"/>
+                <a16:creationId xmlns:a16="http://schemas.microsoft.com/office/drawing/2014/main" id="{FC9D763C-7FD3-94CB-C6B7-0F113F765164}"/>
               </a:ext>
             </a:extLst>
           </p:cNvPr>
@@ -580,7 +580,7 @@
           <p:cNvPr id="3" name="竖排文字占位符 2">
             <a:extLst>
               <a:ext uri="{FF2B5EF4-FFF2-40B4-BE49-F238E27FC236}">
-                <a16:creationId xmlns:a16="http://schemas.microsoft.com/office/drawing/2014/main" id="{ACA89B89-D448-5284-8F65-9C3E71A03537}"/>
+                <a16:creationId xmlns:a16="http://schemas.microsoft.com/office/drawing/2014/main" id="{E5A160C2-ECFB-F6AD-A2E7-766D396FCE31}"/>
               </a:ext>
             </a:extLst>
           </p:cNvPr>
@@ -642,7 +642,7 @@
           <p:cNvPr id="4" name="日期占位符 3">
             <a:extLst>
               <a:ext uri="{FF2B5EF4-FFF2-40B4-BE49-F238E27FC236}">
-                <a16:creationId xmlns:a16="http://schemas.microsoft.com/office/drawing/2014/main" id="{EE5B07AB-5A27-87AA-E701-C0776769FF72}"/>
+                <a16:creationId xmlns:a16="http://schemas.microsoft.com/office/drawing/2014/main" id="{D55BEF8F-E6A7-41CE-B384-6344EE153FEE}"/>
               </a:ext>
             </a:extLst>
           </p:cNvPr>
@@ -658,7 +658,7 @@
           <a:bodyPr/>
           <a:lstStyle/>
           <a:p>
-            <a:fld id="{28A9F78C-6E83-4149-B18E-E51E64996105}" type="datetimeFigureOut">
+            <a:fld id="{0FC9CC59-9646-465D-B0A6-7E8BA2D85A55}" type="datetimeFigureOut">
               <a:rPr lang="zh-CN" altLang="en-US" smtClean="0"/>
               <a:t>2024/3/10</a:t>
             </a:fld>
@@ -671,7 +671,7 @@
           <p:cNvPr id="5" name="页脚占位符 4">
             <a:extLst>
               <a:ext uri="{FF2B5EF4-FFF2-40B4-BE49-F238E27FC236}">
-                <a16:creationId xmlns:a16="http://schemas.microsoft.com/office/drawing/2014/main" id="{8862B018-EE52-F6D6-FFCF-0409C4161E14}"/>
+                <a16:creationId xmlns:a16="http://schemas.microsoft.com/office/drawing/2014/main" id="{A8D643D3-E5CF-BE07-B671-7F647A5DBCD4}"/>
               </a:ext>
             </a:extLst>
           </p:cNvPr>
@@ -696,7 +696,7 @@
           <p:cNvPr id="6" name="灯片编号占位符 5">
             <a:extLst>
               <a:ext uri="{FF2B5EF4-FFF2-40B4-BE49-F238E27FC236}">
-                <a16:creationId xmlns:a16="http://schemas.microsoft.com/office/drawing/2014/main" id="{2B8E861F-499A-A1C9-6FA3-278FBDE67018}"/>
+                <a16:creationId xmlns:a16="http://schemas.microsoft.com/office/drawing/2014/main" id="{E1F446B2-824B-2FBD-D0E6-9E87E03FF4CA}"/>
               </a:ext>
             </a:extLst>
           </p:cNvPr>
@@ -712,7 +712,7 @@
           <a:bodyPr/>
           <a:lstStyle/>
           <a:p>
-            <a:fld id="{E9B70BEA-56D5-4963-8B7A-8495AB830BE6}" type="slidenum">
+            <a:fld id="{F2DF2A3D-A601-41C9-B99E-AFADDC534C36}" type="slidenum">
               <a:rPr lang="zh-CN" altLang="en-US" smtClean="0"/>
               <a:t>‹#›</a:t>
             </a:fld>
@@ -723,7 +723,7 @@
     </p:spTree>
     <p:extLst>
       <p:ext uri="{BB962C8B-B14F-4D97-AF65-F5344CB8AC3E}">
-        <p14:creationId xmlns:p14="http://schemas.microsoft.com/office/powerpoint/2010/main" val="357857260"/>
+        <p14:creationId xmlns:p14="http://schemas.microsoft.com/office/powerpoint/2010/main" val="1402923712"/>
       </p:ext>
     </p:extLst>
   </p:cSld>
@@ -755,7 +755,7 @@
           <p:cNvPr id="2" name="标题 1">
             <a:extLst>
               <a:ext uri="{FF2B5EF4-FFF2-40B4-BE49-F238E27FC236}">
-                <a16:creationId xmlns:a16="http://schemas.microsoft.com/office/drawing/2014/main" id="{F15A2F15-1756-E858-D0BD-9CB1B531AF46}"/>
+                <a16:creationId xmlns:a16="http://schemas.microsoft.com/office/drawing/2014/main" id="{DE6514B2-DE4D-D191-E6FB-973396B5CBE7}"/>
               </a:ext>
             </a:extLst>
           </p:cNvPr>
@@ -783,7 +783,7 @@
           <p:cNvPr id="3" name="内容占位符 2">
             <a:extLst>
               <a:ext uri="{FF2B5EF4-FFF2-40B4-BE49-F238E27FC236}">
-                <a16:creationId xmlns:a16="http://schemas.microsoft.com/office/drawing/2014/main" id="{4F8E2F55-DB67-BFE1-8E56-FB0EE28ABA17}"/>
+                <a16:creationId xmlns:a16="http://schemas.microsoft.com/office/drawing/2014/main" id="{414225A1-8D8A-FE07-FE19-4D6F1B8D3314}"/>
               </a:ext>
             </a:extLst>
           </p:cNvPr>
@@ -840,7 +840,7 @@
           <p:cNvPr id="4" name="日期占位符 3">
             <a:extLst>
               <a:ext uri="{FF2B5EF4-FFF2-40B4-BE49-F238E27FC236}">
-                <a16:creationId xmlns:a16="http://schemas.microsoft.com/office/drawing/2014/main" id="{92DFF12E-E841-0042-3914-7D2AB31CDA34}"/>
+                <a16:creationId xmlns:a16="http://schemas.microsoft.com/office/drawing/2014/main" id="{70E206B2-089C-3D82-55D2-06A8C3C82914}"/>
               </a:ext>
             </a:extLst>
           </p:cNvPr>
@@ -856,7 +856,7 @@
           <a:bodyPr/>
           <a:lstStyle/>
           <a:p>
-            <a:fld id="{28A9F78C-6E83-4149-B18E-E51E64996105}" type="datetimeFigureOut">
+            <a:fld id="{0FC9CC59-9646-465D-B0A6-7E8BA2D85A55}" type="datetimeFigureOut">
               <a:rPr lang="zh-CN" altLang="en-US" smtClean="0"/>
               <a:t>2024/3/10</a:t>
             </a:fld>
@@ -869,7 +869,7 @@
           <p:cNvPr id="5" name="页脚占位符 4">
             <a:extLst>
               <a:ext uri="{FF2B5EF4-FFF2-40B4-BE49-F238E27FC236}">
-                <a16:creationId xmlns:a16="http://schemas.microsoft.com/office/drawing/2014/main" id="{6435631F-D7DE-62FB-8971-761E632B1380}"/>
+                <a16:creationId xmlns:a16="http://schemas.microsoft.com/office/drawing/2014/main" id="{381221BC-4F73-78A5-C05D-99EC7210B9F8}"/>
               </a:ext>
             </a:extLst>
           </p:cNvPr>
@@ -894,7 +894,7 @@
           <p:cNvPr id="6" name="灯片编号占位符 5">
             <a:extLst>
               <a:ext uri="{FF2B5EF4-FFF2-40B4-BE49-F238E27FC236}">
-                <a16:creationId xmlns:a16="http://schemas.microsoft.com/office/drawing/2014/main" id="{C8DFDEF6-8C70-9879-2488-6FF617E0B498}"/>
+                <a16:creationId xmlns:a16="http://schemas.microsoft.com/office/drawing/2014/main" id="{6BA270AD-BCA0-12F4-8E1A-4034717647D8}"/>
               </a:ext>
             </a:extLst>
           </p:cNvPr>
@@ -910,7 +910,7 @@
           <a:bodyPr/>
           <a:lstStyle/>
           <a:p>
-            <a:fld id="{E9B70BEA-56D5-4963-8B7A-8495AB830BE6}" type="slidenum">
+            <a:fld id="{F2DF2A3D-A601-41C9-B99E-AFADDC534C36}" type="slidenum">
               <a:rPr lang="zh-CN" altLang="en-US" smtClean="0"/>
               <a:t>‹#›</a:t>
             </a:fld>
@@ -921,7 +921,7 @@
     </p:spTree>
     <p:extLst>
       <p:ext uri="{BB962C8B-B14F-4D97-AF65-F5344CB8AC3E}">
-        <p14:creationId xmlns:p14="http://schemas.microsoft.com/office/powerpoint/2010/main" val="2993351436"/>
+        <p14:creationId xmlns:p14="http://schemas.microsoft.com/office/powerpoint/2010/main" val="2412204066"/>
       </p:ext>
     </p:extLst>
   </p:cSld>
@@ -953,7 +953,7 @@
           <p:cNvPr id="2" name="标题 1">
             <a:extLst>
               <a:ext uri="{FF2B5EF4-FFF2-40B4-BE49-F238E27FC236}">
-                <a16:creationId xmlns:a16="http://schemas.microsoft.com/office/drawing/2014/main" id="{DEE59DF2-D21F-9059-D545-772116419BCD}"/>
+                <a16:creationId xmlns:a16="http://schemas.microsoft.com/office/drawing/2014/main" id="{59FA6F61-D827-83B8-7890-5C70BD0CD5B7}"/>
               </a:ext>
             </a:extLst>
           </p:cNvPr>
@@ -990,7 +990,7 @@
           <p:cNvPr id="3" name="文本占位符 2">
             <a:extLst>
               <a:ext uri="{FF2B5EF4-FFF2-40B4-BE49-F238E27FC236}">
-                <a16:creationId xmlns:a16="http://schemas.microsoft.com/office/drawing/2014/main" id="{1E6A8EC0-FB0A-EB63-D8DB-2A535BA8C112}"/>
+                <a16:creationId xmlns:a16="http://schemas.microsoft.com/office/drawing/2014/main" id="{0937C8CC-9B62-AFF4-8E12-F2F8BBA1B762}"/>
               </a:ext>
             </a:extLst>
           </p:cNvPr>
@@ -1115,7 +1115,7 @@
           <p:cNvPr id="4" name="日期占位符 3">
             <a:extLst>
               <a:ext uri="{FF2B5EF4-FFF2-40B4-BE49-F238E27FC236}">
-                <a16:creationId xmlns:a16="http://schemas.microsoft.com/office/drawing/2014/main" id="{3046580A-EEB4-294F-9675-EC0B0C4FF89C}"/>
+                <a16:creationId xmlns:a16="http://schemas.microsoft.com/office/drawing/2014/main" id="{5F7C2578-635D-359C-777A-B087A4E399D2}"/>
               </a:ext>
             </a:extLst>
           </p:cNvPr>
@@ -1131,7 +1131,7 @@
           <a:bodyPr/>
           <a:lstStyle/>
           <a:p>
-            <a:fld id="{28A9F78C-6E83-4149-B18E-E51E64996105}" type="datetimeFigureOut">
+            <a:fld id="{0FC9CC59-9646-465D-B0A6-7E8BA2D85A55}" type="datetimeFigureOut">
               <a:rPr lang="zh-CN" altLang="en-US" smtClean="0"/>
               <a:t>2024/3/10</a:t>
             </a:fld>
@@ -1144,7 +1144,7 @@
           <p:cNvPr id="5" name="页脚占位符 4">
             <a:extLst>
               <a:ext uri="{FF2B5EF4-FFF2-40B4-BE49-F238E27FC236}">
-                <a16:creationId xmlns:a16="http://schemas.microsoft.com/office/drawing/2014/main" id="{E48F3D21-807D-682E-87DC-65284AA8337F}"/>
+                <a16:creationId xmlns:a16="http://schemas.microsoft.com/office/drawing/2014/main" id="{E205DCC2-3375-5547-4EDA-3C25CF0FC8CB}"/>
               </a:ext>
             </a:extLst>
           </p:cNvPr>
@@ -1169,7 +1169,7 @@
           <p:cNvPr id="6" name="灯片编号占位符 5">
             <a:extLst>
               <a:ext uri="{FF2B5EF4-FFF2-40B4-BE49-F238E27FC236}">
-                <a16:creationId xmlns:a16="http://schemas.microsoft.com/office/drawing/2014/main" id="{2785425E-3F2B-B390-C97E-97F0D8EF4B2B}"/>
+                <a16:creationId xmlns:a16="http://schemas.microsoft.com/office/drawing/2014/main" id="{28D5F355-37C4-403F-5E46-10009A7A5188}"/>
               </a:ext>
             </a:extLst>
           </p:cNvPr>
@@ -1185,7 +1185,7 @@
           <a:bodyPr/>
           <a:lstStyle/>
           <a:p>
-            <a:fld id="{E9B70BEA-56D5-4963-8B7A-8495AB830BE6}" type="slidenum">
+            <a:fld id="{F2DF2A3D-A601-41C9-B99E-AFADDC534C36}" type="slidenum">
               <a:rPr lang="zh-CN" altLang="en-US" smtClean="0"/>
               <a:t>‹#›</a:t>
             </a:fld>
@@ -1196,7 +1196,7 @@
     </p:spTree>
     <p:extLst>
       <p:ext uri="{BB962C8B-B14F-4D97-AF65-F5344CB8AC3E}">
-        <p14:creationId xmlns:p14="http://schemas.microsoft.com/office/powerpoint/2010/main" val="4260521505"/>
+        <p14:creationId xmlns:p14="http://schemas.microsoft.com/office/powerpoint/2010/main" val="853973934"/>
       </p:ext>
     </p:extLst>
   </p:cSld>
@@ -1228,7 +1228,7 @@
           <p:cNvPr id="2" name="标题 1">
             <a:extLst>
               <a:ext uri="{FF2B5EF4-FFF2-40B4-BE49-F238E27FC236}">
-                <a16:creationId xmlns:a16="http://schemas.microsoft.com/office/drawing/2014/main" id="{C61FDA31-56B7-68AF-4EC3-E2FDB9E1DC30}"/>
+                <a16:creationId xmlns:a16="http://schemas.microsoft.com/office/drawing/2014/main" id="{09392A80-BFE5-D51F-94DB-3900DD675D36}"/>
               </a:ext>
             </a:extLst>
           </p:cNvPr>
@@ -1256,7 +1256,7 @@
           <p:cNvPr id="3" name="内容占位符 2">
             <a:extLst>
               <a:ext uri="{FF2B5EF4-FFF2-40B4-BE49-F238E27FC236}">
-                <a16:creationId xmlns:a16="http://schemas.microsoft.com/office/drawing/2014/main" id="{ECB8C407-DD09-04DA-D27D-3EDC0C848A6D}"/>
+                <a16:creationId xmlns:a16="http://schemas.microsoft.com/office/drawing/2014/main" id="{085518CE-8225-6617-678B-29DDD9C3FB9A}"/>
               </a:ext>
             </a:extLst>
           </p:cNvPr>
@@ -1318,7 +1318,7 @@
           <p:cNvPr id="4" name="内容占位符 3">
             <a:extLst>
               <a:ext uri="{FF2B5EF4-FFF2-40B4-BE49-F238E27FC236}">
-                <a16:creationId xmlns:a16="http://schemas.microsoft.com/office/drawing/2014/main" id="{BF5137CF-2F52-063E-8EAC-835953D1139C}"/>
+                <a16:creationId xmlns:a16="http://schemas.microsoft.com/office/drawing/2014/main" id="{555736F0-19CD-89CD-4DD6-15B97D8D2421}"/>
               </a:ext>
             </a:extLst>
           </p:cNvPr>
@@ -1380,7 +1380,7 @@
           <p:cNvPr id="5" name="日期占位符 4">
             <a:extLst>
               <a:ext uri="{FF2B5EF4-FFF2-40B4-BE49-F238E27FC236}">
-                <a16:creationId xmlns:a16="http://schemas.microsoft.com/office/drawing/2014/main" id="{7F6601C2-BB04-AA04-DADA-1DBCF859689D}"/>
+                <a16:creationId xmlns:a16="http://schemas.microsoft.com/office/drawing/2014/main" id="{A8B044B1-2BE8-6B49-79B9-A13E4B44C940}"/>
               </a:ext>
             </a:extLst>
           </p:cNvPr>
@@ -1396,7 +1396,7 @@
           <a:bodyPr/>
           <a:lstStyle/>
           <a:p>
-            <a:fld id="{28A9F78C-6E83-4149-B18E-E51E64996105}" type="datetimeFigureOut">
+            <a:fld id="{0FC9CC59-9646-465D-B0A6-7E8BA2D85A55}" type="datetimeFigureOut">
               <a:rPr lang="zh-CN" altLang="en-US" smtClean="0"/>
               <a:t>2024/3/10</a:t>
             </a:fld>
@@ -1409,7 +1409,7 @@
           <p:cNvPr id="6" name="页脚占位符 5">
             <a:extLst>
               <a:ext uri="{FF2B5EF4-FFF2-40B4-BE49-F238E27FC236}">
-                <a16:creationId xmlns:a16="http://schemas.microsoft.com/office/drawing/2014/main" id="{E85F8425-4C96-484B-D4C3-2972DC5B0F66}"/>
+                <a16:creationId xmlns:a16="http://schemas.microsoft.com/office/drawing/2014/main" id="{90DC650F-9AF5-02FC-9202-12C8F66F22FB}"/>
               </a:ext>
             </a:extLst>
           </p:cNvPr>
@@ -1434,7 +1434,7 @@
           <p:cNvPr id="7" name="灯片编号占位符 6">
             <a:extLst>
               <a:ext uri="{FF2B5EF4-FFF2-40B4-BE49-F238E27FC236}">
-                <a16:creationId xmlns:a16="http://schemas.microsoft.com/office/drawing/2014/main" id="{649AD64D-9239-9D91-00E4-9E313EE5A312}"/>
+                <a16:creationId xmlns:a16="http://schemas.microsoft.com/office/drawing/2014/main" id="{FFBAC9F6-39E9-C5D2-ED54-2D674DC38AB9}"/>
               </a:ext>
             </a:extLst>
           </p:cNvPr>
@@ -1450,7 +1450,7 @@
           <a:bodyPr/>
           <a:lstStyle/>
           <a:p>
-            <a:fld id="{E9B70BEA-56D5-4963-8B7A-8495AB830BE6}" type="slidenum">
+            <a:fld id="{F2DF2A3D-A601-41C9-B99E-AFADDC534C36}" type="slidenum">
               <a:rPr lang="zh-CN" altLang="en-US" smtClean="0"/>
               <a:t>‹#›</a:t>
             </a:fld>
@@ -1461,7 +1461,7 @@
     </p:spTree>
     <p:extLst>
       <p:ext uri="{BB962C8B-B14F-4D97-AF65-F5344CB8AC3E}">
-        <p14:creationId xmlns:p14="http://schemas.microsoft.com/office/powerpoint/2010/main" val="1392502708"/>
+        <p14:creationId xmlns:p14="http://schemas.microsoft.com/office/powerpoint/2010/main" val="2696162553"/>
       </p:ext>
     </p:extLst>
   </p:cSld>
@@ -1493,7 +1493,7 @@
           <p:cNvPr id="2" name="标题 1">
             <a:extLst>
               <a:ext uri="{FF2B5EF4-FFF2-40B4-BE49-F238E27FC236}">
-                <a16:creationId xmlns:a16="http://schemas.microsoft.com/office/drawing/2014/main" id="{D46CB67E-E3C5-AF23-91A8-E7DF775C646F}"/>
+                <a16:creationId xmlns:a16="http://schemas.microsoft.com/office/drawing/2014/main" id="{F7182BC0-A7C4-4034-F51F-C19DB880E903}"/>
               </a:ext>
             </a:extLst>
           </p:cNvPr>
@@ -1526,7 +1526,7 @@
           <p:cNvPr id="3" name="文本占位符 2">
             <a:extLst>
               <a:ext uri="{FF2B5EF4-FFF2-40B4-BE49-F238E27FC236}">
-                <a16:creationId xmlns:a16="http://schemas.microsoft.com/office/drawing/2014/main" id="{1B960C0D-1445-AF1C-628D-7E8F4DBD8482}"/>
+                <a16:creationId xmlns:a16="http://schemas.microsoft.com/office/drawing/2014/main" id="{641B6BF7-05E6-9FD1-66AD-B4FC244E1E3B}"/>
               </a:ext>
             </a:extLst>
           </p:cNvPr>
@@ -1597,7 +1597,7 @@
           <p:cNvPr id="4" name="内容占位符 3">
             <a:extLst>
               <a:ext uri="{FF2B5EF4-FFF2-40B4-BE49-F238E27FC236}">
-                <a16:creationId xmlns:a16="http://schemas.microsoft.com/office/drawing/2014/main" id="{FECCC439-92E7-D333-8ECD-B5D1E89B8CDC}"/>
+                <a16:creationId xmlns:a16="http://schemas.microsoft.com/office/drawing/2014/main" id="{BC44D724-DC41-DD34-BAAC-8D64CC1D4D20}"/>
               </a:ext>
             </a:extLst>
           </p:cNvPr>
@@ -1659,7 +1659,7 @@
           <p:cNvPr id="5" name="文本占位符 4">
             <a:extLst>
               <a:ext uri="{FF2B5EF4-FFF2-40B4-BE49-F238E27FC236}">
-                <a16:creationId xmlns:a16="http://schemas.microsoft.com/office/drawing/2014/main" id="{0001A66F-C698-9FC3-3F2E-9178F5FE6A29}"/>
+                <a16:creationId xmlns:a16="http://schemas.microsoft.com/office/drawing/2014/main" id="{E10E6BFB-84FF-F9F4-4A2E-63F8042056B3}"/>
               </a:ext>
             </a:extLst>
           </p:cNvPr>
@@ -1730,7 +1730,7 @@
           <p:cNvPr id="6" name="内容占位符 5">
             <a:extLst>
               <a:ext uri="{FF2B5EF4-FFF2-40B4-BE49-F238E27FC236}">
-                <a16:creationId xmlns:a16="http://schemas.microsoft.com/office/drawing/2014/main" id="{DD0A6765-CEE2-5EE5-3563-9E1100E3F385}"/>
+                <a16:creationId xmlns:a16="http://schemas.microsoft.com/office/drawing/2014/main" id="{52E74330-421B-E3EA-CFFB-0A262A1D75CF}"/>
               </a:ext>
             </a:extLst>
           </p:cNvPr>
@@ -1792,7 +1792,7 @@
           <p:cNvPr id="7" name="日期占位符 6">
             <a:extLst>
               <a:ext uri="{FF2B5EF4-FFF2-40B4-BE49-F238E27FC236}">
-                <a16:creationId xmlns:a16="http://schemas.microsoft.com/office/drawing/2014/main" id="{99BFB2F5-101E-A6E0-EA08-6D70CF05A4E4}"/>
+                <a16:creationId xmlns:a16="http://schemas.microsoft.com/office/drawing/2014/main" id="{E46706BC-A920-7368-040B-CF6E854A9DFC}"/>
               </a:ext>
             </a:extLst>
           </p:cNvPr>
@@ -1808,7 +1808,7 @@
           <a:bodyPr/>
           <a:lstStyle/>
           <a:p>
-            <a:fld id="{28A9F78C-6E83-4149-B18E-E51E64996105}" type="datetimeFigureOut">
+            <a:fld id="{0FC9CC59-9646-465D-B0A6-7E8BA2D85A55}" type="datetimeFigureOut">
               <a:rPr lang="zh-CN" altLang="en-US" smtClean="0"/>
               <a:t>2024/3/10</a:t>
             </a:fld>
@@ -1821,7 +1821,7 @@
           <p:cNvPr id="8" name="页脚占位符 7">
             <a:extLst>
               <a:ext uri="{FF2B5EF4-FFF2-40B4-BE49-F238E27FC236}">
-                <a16:creationId xmlns:a16="http://schemas.microsoft.com/office/drawing/2014/main" id="{7A753153-B81D-9EF3-F3DB-9B053E9CDE75}"/>
+                <a16:creationId xmlns:a16="http://schemas.microsoft.com/office/drawing/2014/main" id="{8969A23E-A05D-F27D-387F-E70C7CB18FAC}"/>
               </a:ext>
             </a:extLst>
           </p:cNvPr>
@@ -1846,7 +1846,7 @@
           <p:cNvPr id="9" name="灯片编号占位符 8">
             <a:extLst>
               <a:ext uri="{FF2B5EF4-FFF2-40B4-BE49-F238E27FC236}">
-                <a16:creationId xmlns:a16="http://schemas.microsoft.com/office/drawing/2014/main" id="{D2D0FBF6-66BD-3644-E59D-6B62FA6F316E}"/>
+                <a16:creationId xmlns:a16="http://schemas.microsoft.com/office/drawing/2014/main" id="{8143E099-031E-2227-D2EA-69C0FC3D9501}"/>
               </a:ext>
             </a:extLst>
           </p:cNvPr>
@@ -1862,7 +1862,7 @@
           <a:bodyPr/>
           <a:lstStyle/>
           <a:p>
-            <a:fld id="{E9B70BEA-56D5-4963-8B7A-8495AB830BE6}" type="slidenum">
+            <a:fld id="{F2DF2A3D-A601-41C9-B99E-AFADDC534C36}" type="slidenum">
               <a:rPr lang="zh-CN" altLang="en-US" smtClean="0"/>
               <a:t>‹#›</a:t>
             </a:fld>
@@ -1873,7 +1873,7 @@
     </p:spTree>
     <p:extLst>
       <p:ext uri="{BB962C8B-B14F-4D97-AF65-F5344CB8AC3E}">
-        <p14:creationId xmlns:p14="http://schemas.microsoft.com/office/powerpoint/2010/main" val="4280735633"/>
+        <p14:creationId xmlns:p14="http://schemas.microsoft.com/office/powerpoint/2010/main" val="290427847"/>
       </p:ext>
     </p:extLst>
   </p:cSld>
@@ -1905,7 +1905,7 @@
           <p:cNvPr id="2" name="标题 1">
             <a:extLst>
               <a:ext uri="{FF2B5EF4-FFF2-40B4-BE49-F238E27FC236}">
-                <a16:creationId xmlns:a16="http://schemas.microsoft.com/office/drawing/2014/main" id="{6CA6BA83-E30F-10BB-0BD5-28E21E9F0A7F}"/>
+                <a16:creationId xmlns:a16="http://schemas.microsoft.com/office/drawing/2014/main" id="{53C1EBD3-2A98-0DB2-9F46-D885177F6CB7}"/>
               </a:ext>
             </a:extLst>
           </p:cNvPr>
@@ -1933,7 +1933,7 @@
           <p:cNvPr id="3" name="日期占位符 2">
             <a:extLst>
               <a:ext uri="{FF2B5EF4-FFF2-40B4-BE49-F238E27FC236}">
-                <a16:creationId xmlns:a16="http://schemas.microsoft.com/office/drawing/2014/main" id="{659AE2E5-ABAA-BF33-57C1-A60CDB719B8A}"/>
+                <a16:creationId xmlns:a16="http://schemas.microsoft.com/office/drawing/2014/main" id="{43011D86-1FA2-95F1-DC3C-12A0C31495F8}"/>
               </a:ext>
             </a:extLst>
           </p:cNvPr>
@@ -1949,7 +1949,7 @@
           <a:bodyPr/>
           <a:lstStyle/>
           <a:p>
-            <a:fld id="{28A9F78C-6E83-4149-B18E-E51E64996105}" type="datetimeFigureOut">
+            <a:fld id="{0FC9CC59-9646-465D-B0A6-7E8BA2D85A55}" type="datetimeFigureOut">
               <a:rPr lang="zh-CN" altLang="en-US" smtClean="0"/>
               <a:t>2024/3/10</a:t>
             </a:fld>
@@ -1962,7 +1962,7 @@
           <p:cNvPr id="4" name="页脚占位符 3">
             <a:extLst>
               <a:ext uri="{FF2B5EF4-FFF2-40B4-BE49-F238E27FC236}">
-                <a16:creationId xmlns:a16="http://schemas.microsoft.com/office/drawing/2014/main" id="{AB5965EB-B826-C585-6F28-9FB8D364F648}"/>
+                <a16:creationId xmlns:a16="http://schemas.microsoft.com/office/drawing/2014/main" id="{DEC7C678-C47C-B63D-A09F-F70459BA74A0}"/>
               </a:ext>
             </a:extLst>
           </p:cNvPr>
@@ -1987,7 +1987,7 @@
           <p:cNvPr id="5" name="灯片编号占位符 4">
             <a:extLst>
               <a:ext uri="{FF2B5EF4-FFF2-40B4-BE49-F238E27FC236}">
-                <a16:creationId xmlns:a16="http://schemas.microsoft.com/office/drawing/2014/main" id="{8A0CC9F7-0301-A110-833E-A5BD89D89BC7}"/>
+                <a16:creationId xmlns:a16="http://schemas.microsoft.com/office/drawing/2014/main" id="{D8B69FA6-D1DD-0362-97BD-7C98601070A5}"/>
               </a:ext>
             </a:extLst>
           </p:cNvPr>
@@ -2003,7 +2003,7 @@
           <a:bodyPr/>
           <a:lstStyle/>
           <a:p>
-            <a:fld id="{E9B70BEA-56D5-4963-8B7A-8495AB830BE6}" type="slidenum">
+            <a:fld id="{F2DF2A3D-A601-41C9-B99E-AFADDC534C36}" type="slidenum">
               <a:rPr lang="zh-CN" altLang="en-US" smtClean="0"/>
               <a:t>‹#›</a:t>
             </a:fld>
@@ -2014,7 +2014,7 @@
     </p:spTree>
     <p:extLst>
       <p:ext uri="{BB962C8B-B14F-4D97-AF65-F5344CB8AC3E}">
-        <p14:creationId xmlns:p14="http://schemas.microsoft.com/office/powerpoint/2010/main" val="368752750"/>
+        <p14:creationId xmlns:p14="http://schemas.microsoft.com/office/powerpoint/2010/main" val="1055420684"/>
       </p:ext>
     </p:extLst>
   </p:cSld>
@@ -2046,7 +2046,7 @@
           <p:cNvPr id="2" name="日期占位符 1">
             <a:extLst>
               <a:ext uri="{FF2B5EF4-FFF2-40B4-BE49-F238E27FC236}">
-                <a16:creationId xmlns:a16="http://schemas.microsoft.com/office/drawing/2014/main" id="{36D8E4F5-658F-9FFA-2E88-0154706B84D6}"/>
+                <a16:creationId xmlns:a16="http://schemas.microsoft.com/office/drawing/2014/main" id="{2A6A3A67-9007-3E97-C3A8-CB080D181415}"/>
               </a:ext>
             </a:extLst>
           </p:cNvPr>
@@ -2062,7 +2062,7 @@
           <a:bodyPr/>
           <a:lstStyle/>
           <a:p>
-            <a:fld id="{28A9F78C-6E83-4149-B18E-E51E64996105}" type="datetimeFigureOut">
+            <a:fld id="{0FC9CC59-9646-465D-B0A6-7E8BA2D85A55}" type="datetimeFigureOut">
               <a:rPr lang="zh-CN" altLang="en-US" smtClean="0"/>
               <a:t>2024/3/10</a:t>
             </a:fld>
@@ -2075,7 +2075,7 @@
           <p:cNvPr id="3" name="页脚占位符 2">
             <a:extLst>
               <a:ext uri="{FF2B5EF4-FFF2-40B4-BE49-F238E27FC236}">
-                <a16:creationId xmlns:a16="http://schemas.microsoft.com/office/drawing/2014/main" id="{FD4BD1AE-210A-91F2-73B8-3E3B6F1D1424}"/>
+                <a16:creationId xmlns:a16="http://schemas.microsoft.com/office/drawing/2014/main" id="{D885C1BE-C398-DC2D-5DE7-21BAEFCBB882}"/>
               </a:ext>
             </a:extLst>
           </p:cNvPr>
@@ -2100,7 +2100,7 @@
           <p:cNvPr id="4" name="灯片编号占位符 3">
             <a:extLst>
               <a:ext uri="{FF2B5EF4-FFF2-40B4-BE49-F238E27FC236}">
-                <a16:creationId xmlns:a16="http://schemas.microsoft.com/office/drawing/2014/main" id="{261B51F0-20FD-2642-60A9-014C63308756}"/>
+                <a16:creationId xmlns:a16="http://schemas.microsoft.com/office/drawing/2014/main" id="{D4C96120-301E-3817-55EC-CCADC73DD106}"/>
               </a:ext>
             </a:extLst>
           </p:cNvPr>
@@ -2116,7 +2116,7 @@
           <a:bodyPr/>
           <a:lstStyle/>
           <a:p>
-            <a:fld id="{E9B70BEA-56D5-4963-8B7A-8495AB830BE6}" type="slidenum">
+            <a:fld id="{F2DF2A3D-A601-41C9-B99E-AFADDC534C36}" type="slidenum">
               <a:rPr lang="zh-CN" altLang="en-US" smtClean="0"/>
               <a:t>‹#›</a:t>
             </a:fld>
@@ -2127,7 +2127,7 @@
     </p:spTree>
     <p:extLst>
       <p:ext uri="{BB962C8B-B14F-4D97-AF65-F5344CB8AC3E}">
-        <p14:creationId xmlns:p14="http://schemas.microsoft.com/office/powerpoint/2010/main" val="2055236720"/>
+        <p14:creationId xmlns:p14="http://schemas.microsoft.com/office/powerpoint/2010/main" val="3547829738"/>
       </p:ext>
     </p:extLst>
   </p:cSld>
@@ -2159,7 +2159,7 @@
           <p:cNvPr id="2" name="标题 1">
             <a:extLst>
               <a:ext uri="{FF2B5EF4-FFF2-40B4-BE49-F238E27FC236}">
-                <a16:creationId xmlns:a16="http://schemas.microsoft.com/office/drawing/2014/main" id="{06C34256-038B-375F-3A52-21C824CA34B2}"/>
+                <a16:creationId xmlns:a16="http://schemas.microsoft.com/office/drawing/2014/main" id="{001EF700-BF0E-1DC9-2058-24AEB6471C5F}"/>
               </a:ext>
             </a:extLst>
           </p:cNvPr>
@@ -2196,7 +2196,7 @@
           <p:cNvPr id="3" name="内容占位符 2">
             <a:extLst>
               <a:ext uri="{FF2B5EF4-FFF2-40B4-BE49-F238E27FC236}">
-                <a16:creationId xmlns:a16="http://schemas.microsoft.com/office/drawing/2014/main" id="{956B8CE9-539B-8EF4-FB33-EF2A1705D0C0}"/>
+                <a16:creationId xmlns:a16="http://schemas.microsoft.com/office/drawing/2014/main" id="{A800172B-C371-68AB-56A9-07DA35E75307}"/>
               </a:ext>
             </a:extLst>
           </p:cNvPr>
@@ -2286,7 +2286,7 @@
           <p:cNvPr id="4" name="文本占位符 3">
             <a:extLst>
               <a:ext uri="{FF2B5EF4-FFF2-40B4-BE49-F238E27FC236}">
-                <a16:creationId xmlns:a16="http://schemas.microsoft.com/office/drawing/2014/main" id="{B319513C-8831-806A-5660-6DD4D5640175}"/>
+                <a16:creationId xmlns:a16="http://schemas.microsoft.com/office/drawing/2014/main" id="{64C72A93-5BC9-8FA2-4D33-71DC0DC2F5D1}"/>
               </a:ext>
             </a:extLst>
           </p:cNvPr>
@@ -2357,7 +2357,7 @@
           <p:cNvPr id="5" name="日期占位符 4">
             <a:extLst>
               <a:ext uri="{FF2B5EF4-FFF2-40B4-BE49-F238E27FC236}">
-                <a16:creationId xmlns:a16="http://schemas.microsoft.com/office/drawing/2014/main" id="{808EC4C2-0428-CF94-55DE-06E16E1B67B2}"/>
+                <a16:creationId xmlns:a16="http://schemas.microsoft.com/office/drawing/2014/main" id="{D3E47BB0-5A4E-27D7-5845-63DA4683D0F5}"/>
               </a:ext>
             </a:extLst>
           </p:cNvPr>
@@ -2373,7 +2373,7 @@
           <a:bodyPr/>
           <a:lstStyle/>
           <a:p>
-            <a:fld id="{28A9F78C-6E83-4149-B18E-E51E64996105}" type="datetimeFigureOut">
+            <a:fld id="{0FC9CC59-9646-465D-B0A6-7E8BA2D85A55}" type="datetimeFigureOut">
               <a:rPr lang="zh-CN" altLang="en-US" smtClean="0"/>
               <a:t>2024/3/10</a:t>
             </a:fld>
@@ -2386,7 +2386,7 @@
           <p:cNvPr id="6" name="页脚占位符 5">
             <a:extLst>
               <a:ext uri="{FF2B5EF4-FFF2-40B4-BE49-F238E27FC236}">
-                <a16:creationId xmlns:a16="http://schemas.microsoft.com/office/drawing/2014/main" id="{7431481A-95D4-1C96-140A-7F9F4A96EF8A}"/>
+                <a16:creationId xmlns:a16="http://schemas.microsoft.com/office/drawing/2014/main" id="{94C400F8-67D8-4479-FCCD-ADDB4D003B76}"/>
               </a:ext>
             </a:extLst>
           </p:cNvPr>
@@ -2411,7 +2411,7 @@
           <p:cNvPr id="7" name="灯片编号占位符 6">
             <a:extLst>
               <a:ext uri="{FF2B5EF4-FFF2-40B4-BE49-F238E27FC236}">
-                <a16:creationId xmlns:a16="http://schemas.microsoft.com/office/drawing/2014/main" id="{F8855360-1632-03CA-AF63-4E5591C474A4}"/>
+                <a16:creationId xmlns:a16="http://schemas.microsoft.com/office/drawing/2014/main" id="{EE3F71B9-C94A-75E2-9AA1-FD4B9092CF50}"/>
               </a:ext>
             </a:extLst>
           </p:cNvPr>
@@ -2427,7 +2427,7 @@
           <a:bodyPr/>
           <a:lstStyle/>
           <a:p>
-            <a:fld id="{E9B70BEA-56D5-4963-8B7A-8495AB830BE6}" type="slidenum">
+            <a:fld id="{F2DF2A3D-A601-41C9-B99E-AFADDC534C36}" type="slidenum">
               <a:rPr lang="zh-CN" altLang="en-US" smtClean="0"/>
               <a:t>‹#›</a:t>
             </a:fld>
@@ -2438,7 +2438,7 @@
     </p:spTree>
     <p:extLst>
       <p:ext uri="{BB962C8B-B14F-4D97-AF65-F5344CB8AC3E}">
-        <p14:creationId xmlns:p14="http://schemas.microsoft.com/office/powerpoint/2010/main" val="2783238486"/>
+        <p14:creationId xmlns:p14="http://schemas.microsoft.com/office/powerpoint/2010/main" val="4153076115"/>
       </p:ext>
     </p:extLst>
   </p:cSld>
@@ -2470,7 +2470,7 @@
           <p:cNvPr id="2" name="标题 1">
             <a:extLst>
               <a:ext uri="{FF2B5EF4-FFF2-40B4-BE49-F238E27FC236}">
-                <a16:creationId xmlns:a16="http://schemas.microsoft.com/office/drawing/2014/main" id="{85B10066-B8B3-1C8E-3D57-817E16CC9E29}"/>
+                <a16:creationId xmlns:a16="http://schemas.microsoft.com/office/drawing/2014/main" id="{2DBD0EB9-CBB8-DED5-8D33-9750C5E29264}"/>
               </a:ext>
             </a:extLst>
           </p:cNvPr>
@@ -2507,7 +2507,7 @@
           <p:cNvPr id="3" name="图片占位符 2">
             <a:extLst>
               <a:ext uri="{FF2B5EF4-FFF2-40B4-BE49-F238E27FC236}">
-                <a16:creationId xmlns:a16="http://schemas.microsoft.com/office/drawing/2014/main" id="{F2AE0591-B3D3-3B35-2676-F7A624B210E3}"/>
+                <a16:creationId xmlns:a16="http://schemas.microsoft.com/office/drawing/2014/main" id="{954AAD3C-B2CC-2AE5-EC39-BB0CB9DA1EB8}"/>
               </a:ext>
             </a:extLst>
           </p:cNvPr>
@@ -2574,7 +2574,7 @@
           <p:cNvPr id="4" name="文本占位符 3">
             <a:extLst>
               <a:ext uri="{FF2B5EF4-FFF2-40B4-BE49-F238E27FC236}">
-                <a16:creationId xmlns:a16="http://schemas.microsoft.com/office/drawing/2014/main" id="{60C69FE4-DE66-0848-D3DC-F10636849C95}"/>
+                <a16:creationId xmlns:a16="http://schemas.microsoft.com/office/drawing/2014/main" id="{3E1CE77B-335A-C7B3-3CB5-898232BB346D}"/>
               </a:ext>
             </a:extLst>
           </p:cNvPr>
@@ -2645,7 +2645,7 @@
           <p:cNvPr id="5" name="日期占位符 4">
             <a:extLst>
               <a:ext uri="{FF2B5EF4-FFF2-40B4-BE49-F238E27FC236}">
-                <a16:creationId xmlns:a16="http://schemas.microsoft.com/office/drawing/2014/main" id="{9A981865-0593-3E71-A642-FA51B91C89C6}"/>
+                <a16:creationId xmlns:a16="http://schemas.microsoft.com/office/drawing/2014/main" id="{32F5E2F6-5B00-904A-DD59-06AB9E2CFEF6}"/>
               </a:ext>
             </a:extLst>
           </p:cNvPr>
@@ -2661,7 +2661,7 @@
           <a:bodyPr/>
           <a:lstStyle/>
           <a:p>
-            <a:fld id="{28A9F78C-6E83-4149-B18E-E51E64996105}" type="datetimeFigureOut">
+            <a:fld id="{0FC9CC59-9646-465D-B0A6-7E8BA2D85A55}" type="datetimeFigureOut">
               <a:rPr lang="zh-CN" altLang="en-US" smtClean="0"/>
               <a:t>2024/3/10</a:t>
             </a:fld>
@@ -2674,7 +2674,7 @@
           <p:cNvPr id="6" name="页脚占位符 5">
             <a:extLst>
               <a:ext uri="{FF2B5EF4-FFF2-40B4-BE49-F238E27FC236}">
-                <a16:creationId xmlns:a16="http://schemas.microsoft.com/office/drawing/2014/main" id="{B6C5F915-D003-7E1A-FD5E-98CCCDFEB0A5}"/>
+                <a16:creationId xmlns:a16="http://schemas.microsoft.com/office/drawing/2014/main" id="{470C701D-C2B0-E071-788D-AC1916977158}"/>
               </a:ext>
             </a:extLst>
           </p:cNvPr>
@@ -2699,7 +2699,7 @@
           <p:cNvPr id="7" name="灯片编号占位符 6">
             <a:extLst>
               <a:ext uri="{FF2B5EF4-FFF2-40B4-BE49-F238E27FC236}">
-                <a16:creationId xmlns:a16="http://schemas.microsoft.com/office/drawing/2014/main" id="{80F82EC7-48E7-5C79-0552-39EA4516A7E1}"/>
+                <a16:creationId xmlns:a16="http://schemas.microsoft.com/office/drawing/2014/main" id="{D272108C-6E44-AAE6-7119-872C3FEC1BC0}"/>
               </a:ext>
             </a:extLst>
           </p:cNvPr>
@@ -2715,7 +2715,7 @@
           <a:bodyPr/>
           <a:lstStyle/>
           <a:p>
-            <a:fld id="{E9B70BEA-56D5-4963-8B7A-8495AB830BE6}" type="slidenum">
+            <a:fld id="{F2DF2A3D-A601-41C9-B99E-AFADDC534C36}" type="slidenum">
               <a:rPr lang="zh-CN" altLang="en-US" smtClean="0"/>
               <a:t>‹#›</a:t>
             </a:fld>
@@ -2726,7 +2726,7 @@
     </p:spTree>
     <p:extLst>
       <p:ext uri="{BB962C8B-B14F-4D97-AF65-F5344CB8AC3E}">
-        <p14:creationId xmlns:p14="http://schemas.microsoft.com/office/powerpoint/2010/main" val="3783191493"/>
+        <p14:creationId xmlns:p14="http://schemas.microsoft.com/office/powerpoint/2010/main" val="3092552500"/>
       </p:ext>
     </p:extLst>
   </p:cSld>
@@ -2763,7 +2763,7 @@
           <p:cNvPr id="2" name="标题占位符 1">
             <a:extLst>
               <a:ext uri="{FF2B5EF4-FFF2-40B4-BE49-F238E27FC236}">
-                <a16:creationId xmlns:a16="http://schemas.microsoft.com/office/drawing/2014/main" id="{957FF536-F858-F649-F7A2-D3F7349F5ACA}"/>
+                <a16:creationId xmlns:a16="http://schemas.microsoft.com/office/drawing/2014/main" id="{DEFB0D5C-0444-B69E-0123-EEBA759D071E}"/>
               </a:ext>
             </a:extLst>
           </p:cNvPr>
@@ -2801,7 +2801,7 @@
           <p:cNvPr id="3" name="文本占位符 2">
             <a:extLst>
               <a:ext uri="{FF2B5EF4-FFF2-40B4-BE49-F238E27FC236}">
-                <a16:creationId xmlns:a16="http://schemas.microsoft.com/office/drawing/2014/main" id="{83128162-C455-418A-3291-DDACDC210E55}"/>
+                <a16:creationId xmlns:a16="http://schemas.microsoft.com/office/drawing/2014/main" id="{0FB5E0C5-0AEC-4474-9CCF-87EBE74F3B94}"/>
               </a:ext>
             </a:extLst>
           </p:cNvPr>
@@ -2868,7 +2868,7 @@
           <p:cNvPr id="4" name="日期占位符 3">
             <a:extLst>
               <a:ext uri="{FF2B5EF4-FFF2-40B4-BE49-F238E27FC236}">
-                <a16:creationId xmlns:a16="http://schemas.microsoft.com/office/drawing/2014/main" id="{E7662FBC-65FE-CC29-8996-90A7B0CB29EA}"/>
+                <a16:creationId xmlns:a16="http://schemas.microsoft.com/office/drawing/2014/main" id="{388B8793-9E19-4497-BB48-F04C3C5F1E3E}"/>
               </a:ext>
             </a:extLst>
           </p:cNvPr>
@@ -2902,7 +2902,7 @@
             </a:lvl1pPr>
           </a:lstStyle>
           <a:p>
-            <a:fld id="{28A9F78C-6E83-4149-B18E-E51E64996105}" type="datetimeFigureOut">
+            <a:fld id="{0FC9CC59-9646-465D-B0A6-7E8BA2D85A55}" type="datetimeFigureOut">
               <a:rPr lang="zh-CN" altLang="en-US" smtClean="0"/>
               <a:t>2024/3/10</a:t>
             </a:fld>
@@ -2915,7 +2915,7 @@
           <p:cNvPr id="5" name="页脚占位符 4">
             <a:extLst>
               <a:ext uri="{FF2B5EF4-FFF2-40B4-BE49-F238E27FC236}">
-                <a16:creationId xmlns:a16="http://schemas.microsoft.com/office/drawing/2014/main" id="{B139247D-4AA7-FC49-A41D-5339F6383343}"/>
+                <a16:creationId xmlns:a16="http://schemas.microsoft.com/office/drawing/2014/main" id="{AE6BAD8B-F82E-C008-1654-1562DC2477D6}"/>
               </a:ext>
             </a:extLst>
           </p:cNvPr>
@@ -2958,7 +2958,7 @@
           <p:cNvPr id="6" name="灯片编号占位符 5">
             <a:extLst>
               <a:ext uri="{FF2B5EF4-FFF2-40B4-BE49-F238E27FC236}">
-                <a16:creationId xmlns:a16="http://schemas.microsoft.com/office/drawing/2014/main" id="{C21C7A76-7CB2-1905-131F-14D3561A82EF}"/>
+                <a16:creationId xmlns:a16="http://schemas.microsoft.com/office/drawing/2014/main" id="{BFBA4BFD-E68F-79BB-DD3E-51466C6AE061}"/>
               </a:ext>
             </a:extLst>
           </p:cNvPr>
@@ -2992,7 +2992,7 @@
             </a:lvl1pPr>
           </a:lstStyle>
           <a:p>
-            <a:fld id="{E9B70BEA-56D5-4963-8B7A-8495AB830BE6}" type="slidenum">
+            <a:fld id="{F2DF2A3D-A601-41C9-B99E-AFADDC534C36}" type="slidenum">
               <a:rPr lang="zh-CN" altLang="en-US" smtClean="0"/>
               <a:t>‹#›</a:t>
             </a:fld>
@@ -3003,7 +3003,7 @@
     </p:spTree>
     <p:extLst>
       <p:ext uri="{BB962C8B-B14F-4D97-AF65-F5344CB8AC3E}">
-        <p14:creationId xmlns:p14="http://schemas.microsoft.com/office/powerpoint/2010/main" val="854418273"/>
+        <p14:creationId xmlns:p14="http://schemas.microsoft.com/office/powerpoint/2010/main" val="2017626105"/>
       </p:ext>
     </p:extLst>
   </p:cSld>
